--- a/docs/Executive_Summary-Team2.pptx
+++ b/docs/Executive_Summary-Team2.pptx
@@ -277,6 +277,29 @@
 <file path=ppt/changesInfos/changesInfo1.xml><?xml version="1.0" encoding="utf-8"?>
 <pc:chgInfo xmlns:a="http://schemas.openxmlformats.org/drawingml/2006/main" xmlns:r="http://schemas.openxmlformats.org/officeDocument/2006/relationships" xmlns:ac="http://schemas.microsoft.com/office/drawing/2013/main/command" xmlns:pc="http://schemas.microsoft.com/office/powerpoint/2013/main/command">
   <pc:docChgLst>
+    <pc:chgData name="Guest User" providerId="Windows Live" clId="Web-{9CE21DE3-FAD8-44FF-B598-9836A9E2618E}"/>
+    <pc:docChg chg="modSld">
+      <pc:chgData name="Guest User" userId="" providerId="Windows Live" clId="Web-{9CE21DE3-FAD8-44FF-B598-9836A9E2618E}" dt="2022-06-26T04:44:33.100" v="90"/>
+      <pc:docMkLst>
+        <pc:docMk/>
+      </pc:docMkLst>
+      <pc:sldChg chg="modNotes">
+        <pc:chgData name="Guest User" userId="" providerId="Windows Live" clId="Web-{9CE21DE3-FAD8-44FF-B598-9836A9E2618E}" dt="2022-06-26T04:44:33.100" v="90"/>
+        <pc:sldMkLst>
+          <pc:docMk/>
+          <pc:sldMk cId="2483835006" sldId="303"/>
+        </pc:sldMkLst>
+      </pc:sldChg>
+      <pc:sldChg chg="modNotes">
+        <pc:chgData name="Guest User" userId="" providerId="Windows Live" clId="Web-{9CE21DE3-FAD8-44FF-B598-9836A9E2618E}" dt="2022-06-26T04:43:18.642" v="10"/>
+        <pc:sldMkLst>
+          <pc:docMk/>
+          <pc:sldMk cId="1961704748" sldId="325"/>
+        </pc:sldMkLst>
+      </pc:sldChg>
+    </pc:docChg>
+  </pc:docChgLst>
+  <pc:docChgLst>
     <pc:chgData name="Guest User" providerId="Windows Live" clId="Web-{323DBF97-9751-44DC-BBE3-76AC2A51D27A}"/>
     <pc:docChg chg="modSld">
       <pc:chgData name="Guest User" userId="" providerId="Windows Live" clId="Web-{323DBF97-9751-44DC-BBE3-76AC2A51D27A}" dt="2022-04-18T01:05:01.913" v="4" actId="1076"/>
@@ -493,30 +516,6 @@
             <ac:picMk id="9" creationId="{8BE979B6-1342-1449-94CB-68D88C55DD04}"/>
           </ac:picMkLst>
         </pc:picChg>
-      </pc:sldChg>
-    </pc:docChg>
-  </pc:docChgLst>
-  <pc:docChgLst>
-    <pc:chgData name="Guest User" providerId="Windows Live" clId="Web-{C4A7F6C5-E60D-4D68-95CD-AB5787E17367}"/>
-    <pc:docChg chg="modSld">
-      <pc:chgData name="Guest User" userId="" providerId="Windows Live" clId="Web-{C4A7F6C5-E60D-4D68-95CD-AB5787E17367}" dt="2022-04-18T01:46:55.048" v="78" actId="20577"/>
-      <pc:docMkLst>
-        <pc:docMk/>
-      </pc:docMkLst>
-      <pc:sldChg chg="modSp">
-        <pc:chgData name="Guest User" userId="" providerId="Windows Live" clId="Web-{C4A7F6C5-E60D-4D68-95CD-AB5787E17367}" dt="2022-04-18T01:46:55.048" v="78" actId="20577"/>
-        <pc:sldMkLst>
-          <pc:docMk/>
-          <pc:sldMk cId="3605586502" sldId="308"/>
-        </pc:sldMkLst>
-        <pc:spChg chg="mod">
-          <ac:chgData name="Guest User" userId="" providerId="Windows Live" clId="Web-{C4A7F6C5-E60D-4D68-95CD-AB5787E17367}" dt="2022-04-18T01:46:55.048" v="78" actId="20577"/>
-          <ac:spMkLst>
-            <pc:docMk/>
-            <pc:sldMk cId="3605586502" sldId="308"/>
-            <ac:spMk id="3" creationId="{BF1BBC3E-89F0-5C43-AC5E-A86B89D4B109}"/>
-          </ac:spMkLst>
-        </pc:spChg>
       </pc:sldChg>
     </pc:docChg>
   </pc:docChgLst>
@@ -1634,6 +1633,30 @@
     </pc:docChg>
   </pc:docChgLst>
   <pc:docChgLst>
+    <pc:chgData name="Guest User" providerId="Windows Live" clId="Web-{C4A7F6C5-E60D-4D68-95CD-AB5787E17367}"/>
+    <pc:docChg chg="modSld">
+      <pc:chgData name="Guest User" userId="" providerId="Windows Live" clId="Web-{C4A7F6C5-E60D-4D68-95CD-AB5787E17367}" dt="2022-04-18T01:46:55.048" v="78" actId="20577"/>
+      <pc:docMkLst>
+        <pc:docMk/>
+      </pc:docMkLst>
+      <pc:sldChg chg="modSp">
+        <pc:chgData name="Guest User" userId="" providerId="Windows Live" clId="Web-{C4A7F6C5-E60D-4D68-95CD-AB5787E17367}" dt="2022-04-18T01:46:55.048" v="78" actId="20577"/>
+        <pc:sldMkLst>
+          <pc:docMk/>
+          <pc:sldMk cId="3605586502" sldId="308"/>
+        </pc:sldMkLst>
+        <pc:spChg chg="mod">
+          <ac:chgData name="Guest User" userId="" providerId="Windows Live" clId="Web-{C4A7F6C5-E60D-4D68-95CD-AB5787E17367}" dt="2022-04-18T01:46:55.048" v="78" actId="20577"/>
+          <ac:spMkLst>
+            <pc:docMk/>
+            <pc:sldMk cId="3605586502" sldId="308"/>
+            <ac:spMk id="3" creationId="{BF1BBC3E-89F0-5C43-AC5E-A86B89D4B109}"/>
+          </ac:spMkLst>
+        </pc:spChg>
+      </pc:sldChg>
+    </pc:docChg>
+  </pc:docChgLst>
+  <pc:docChgLst>
     <pc:chgData name="Guest User" providerId="Windows Live" clId="Web-{7B6FDF95-9096-427B-9540-C81651F583DB}"/>
     <pc:docChg chg="addSld modSld">
       <pc:chgData name="Guest User" userId="" providerId="Windows Live" clId="Web-{7B6FDF95-9096-427B-9540-C81651F583DB}" dt="2022-06-25T22:04:45.378" v="549" actId="20577"/>
@@ -2696,6 +2719,147 @@
             <p:ph type="sldImg"/>
           </p:nvPr>
         </p:nvSpPr>
+        <p:spPr/>
+      </p:sp>
+      <p:sp>
+        <p:nvSpPr>
+          <p:cNvPr id="3" name="Notes Placeholder 2"/>
+          <p:cNvSpPr>
+            <a:spLocks noGrp="1"/>
+          </p:cNvSpPr>
+          <p:nvPr>
+            <p:ph type="body" idx="1"/>
+          </p:nvPr>
+        </p:nvSpPr>
+        <p:spPr/>
+        <p:txBody>
+          <a:bodyPr/>
+          <a:lstStyle/>
+          <a:p>
+            <a:pPr>
+              <a:buNone/>
+            </a:pPr>
+            <a:endParaRPr lang="en-US" dirty="0">
+              <a:latin typeface="Calibri"/>
+              <a:cs typeface="Calibri"/>
+            </a:endParaRPr>
+          </a:p>
+        </p:txBody>
+      </p:sp>
+    </p:spTree>
+    <p:extLst>
+      <p:ext uri="{BB962C8B-B14F-4D97-AF65-F5344CB8AC3E}">
+        <p14:creationId xmlns:p14="http://schemas.microsoft.com/office/powerpoint/2010/main" val="2312903110"/>
+      </p:ext>
+    </p:extLst>
+  </p:cSld>
+  <p:clrMapOvr>
+    <a:masterClrMapping/>
+  </p:clrMapOvr>
+</p:notes>
+</file>
+
+<file path=ppt/notesSlides/notesSlide2.xml><?xml version="1.0" encoding="utf-8"?>
+<p:notes xmlns:a="http://schemas.openxmlformats.org/drawingml/2006/main" xmlns:r="http://schemas.openxmlformats.org/officeDocument/2006/relationships" xmlns:p="http://schemas.openxmlformats.org/presentationml/2006/main">
+  <p:cSld>
+    <p:spTree>
+      <p:nvGrpSpPr>
+        <p:cNvPr id="1" name=""/>
+        <p:cNvGrpSpPr/>
+        <p:nvPr/>
+      </p:nvGrpSpPr>
+      <p:grpSpPr>
+        <a:xfrm>
+          <a:off x="0" y="0"/>
+          <a:ext cx="0" cy="0"/>
+          <a:chOff x="0" y="0"/>
+          <a:chExt cx="0" cy="0"/>
+        </a:xfrm>
+      </p:grpSpPr>
+      <p:sp>
+        <p:nvSpPr>
+          <p:cNvPr id="2" name="Slide Image Placeholder 1"/>
+          <p:cNvSpPr>
+            <a:spLocks noGrp="1" noRot="1" noChangeAspect="1"/>
+          </p:cNvSpPr>
+          <p:nvPr>
+            <p:ph type="sldImg"/>
+          </p:nvPr>
+        </p:nvSpPr>
+        <p:spPr/>
+      </p:sp>
+      <p:sp>
+        <p:nvSpPr>
+          <p:cNvPr id="3" name="Notes Placeholder 2"/>
+          <p:cNvSpPr>
+            <a:spLocks noGrp="1"/>
+          </p:cNvSpPr>
+          <p:nvPr>
+            <p:ph type="body" idx="1"/>
+          </p:nvPr>
+        </p:nvSpPr>
+        <p:spPr/>
+        <p:txBody>
+          <a:bodyPr/>
+          <a:lstStyle/>
+          <a:p>
+            <a:pPr>
+              <a:buNone/>
+            </a:pPr>
+            <a:r>
+              <a:rPr lang="en-US">
+                <a:latin typeface="Calibri"/>
+                <a:cs typeface="Calibri"/>
+              </a:rPr>
+              <a:t>In this presentation, we will talk about background regarding genetic disease and the related problem, the purpose of this study and hypothesis, </a:t>
+            </a:r>
+            <a:endParaRPr lang="en-US" dirty="0">
+              <a:latin typeface="Calibri"/>
+              <a:cs typeface="Calibri"/>
+            </a:endParaRPr>
+          </a:p>
+        </p:txBody>
+      </p:sp>
+    </p:spTree>
+    <p:extLst>
+      <p:ext uri="{BB962C8B-B14F-4D97-AF65-F5344CB8AC3E}">
+        <p14:creationId xmlns:p14="http://schemas.microsoft.com/office/powerpoint/2010/main" val="1554171283"/>
+      </p:ext>
+    </p:extLst>
+  </p:cSld>
+  <p:clrMapOvr>
+    <a:masterClrMapping/>
+  </p:clrMapOvr>
+</p:notes>
+</file>
+
+<file path=ppt/notesSlides/notesSlide3.xml><?xml version="1.0" encoding="utf-8"?>
+<p:notes xmlns:a="http://schemas.openxmlformats.org/drawingml/2006/main" xmlns:r="http://schemas.openxmlformats.org/officeDocument/2006/relationships" xmlns:p="http://schemas.openxmlformats.org/presentationml/2006/main">
+  <p:cSld>
+    <p:spTree>
+      <p:nvGrpSpPr>
+        <p:cNvPr id="1" name=""/>
+        <p:cNvGrpSpPr/>
+        <p:nvPr/>
+      </p:nvGrpSpPr>
+      <p:grpSpPr>
+        <a:xfrm>
+          <a:off x="0" y="0"/>
+          <a:ext cx="0" cy="0"/>
+          <a:chOff x="0" y="0"/>
+          <a:chExt cx="0" cy="0"/>
+        </a:xfrm>
+      </p:grpSpPr>
+      <p:sp>
+        <p:nvSpPr>
+          <p:cNvPr id="2" name="Slide Image Placeholder 1"/>
+          <p:cNvSpPr>
+            <a:spLocks noGrp="1" noRot="1" noChangeAspect="1"/>
+          </p:cNvSpPr>
+          <p:nvPr>
+            <p:ph type="sldImg"/>
+          </p:nvPr>
+        </p:nvSpPr>
         <p:spPr>
           <a:xfrm>
             <a:off x="381000" y="685800"/>
@@ -2750,7 +2914,7 @@
 </p:notes>
 </file>
 
-<file path=ppt/notesSlides/notesSlide2.xml><?xml version="1.0" encoding="utf-8"?>
+<file path=ppt/notesSlides/notesSlide4.xml><?xml version="1.0" encoding="utf-8"?>
 <p:notes xmlns:a="http://schemas.openxmlformats.org/drawingml/2006/main" xmlns:r="http://schemas.openxmlformats.org/officeDocument/2006/relationships" xmlns:p="http://schemas.openxmlformats.org/presentationml/2006/main">
   <p:cSld>
     <p:spTree>
@@ -9916,10 +10080,10 @@
           <p:nvPr/>
         </p:nvPicPr>
         <p:blipFill>
-          <a:blip r:embed="rId2">
+          <a:blip r:embed="rId3">
             <a:extLst>
               <a:ext uri="{96DAC541-7B7A-43D3-8B79-37D633B846F1}">
-                <asvg:svgBlip xmlns:asvg="http://schemas.microsoft.com/office/drawing/2016/SVG/main" r:embed="rId3"/>
+                <asvg:svgBlip xmlns:asvg="http://schemas.microsoft.com/office/drawing/2016/SVG/main" r:embed="rId4"/>
               </a:ext>
             </a:extLst>
           </a:blip>
@@ -11631,11 +11795,11 @@
   <p:clrMapOvr>
     <a:masterClrMapping/>
   </p:clrMapOvr>
-  <mc:AlternateContent xmlns:mc="http://schemas.openxmlformats.org/markup-compatibility/2006">
-    <mc:Choice xmlns:p14="http://schemas.microsoft.com/office/powerpoint/2010/main" Requires="p14">
+  <mc:AlternateContent xmlns:mc="http://schemas.openxmlformats.org/markup-compatibility/2006" xmlns:p14="http://schemas.microsoft.com/office/powerpoint/2010/main">
+    <mc:Choice Requires="p14">
       <p:transition spd="slow" p14:dur="2000" advTm="3909"/>
     </mc:Choice>
-    <mc:Fallback>
+    <mc:Fallback xmlns="">
       <p:transition spd="slow" advTm="3909"/>
     </mc:Fallback>
   </mc:AlternateContent>
@@ -12247,11 +12411,11 @@
   <p:clrMapOvr>
     <a:masterClrMapping/>
   </p:clrMapOvr>
-  <mc:AlternateContent xmlns:mc="http://schemas.openxmlformats.org/markup-compatibility/2006">
-    <mc:Choice xmlns:p14="http://schemas.microsoft.com/office/powerpoint/2010/main" Requires="p14">
+  <mc:AlternateContent xmlns:mc="http://schemas.openxmlformats.org/markup-compatibility/2006" xmlns:p14="http://schemas.microsoft.com/office/powerpoint/2010/main">
+    <mc:Choice Requires="p14">
       <p:transition spd="slow" p14:dur="2000" advTm="3932"/>
     </mc:Choice>
-    <mc:Fallback>
+    <mc:Fallback xmlns="">
       <p:transition spd="slow" advTm="3932"/>
     </mc:Fallback>
   </mc:AlternateContent>
@@ -12712,11 +12876,11 @@
   <p:clrMapOvr>
     <a:masterClrMapping/>
   </p:clrMapOvr>
-  <mc:AlternateContent xmlns:mc="http://schemas.openxmlformats.org/markup-compatibility/2006">
-    <mc:Choice xmlns:p14="http://schemas.microsoft.com/office/powerpoint/2010/main" Requires="p14">
+  <mc:AlternateContent xmlns:mc="http://schemas.openxmlformats.org/markup-compatibility/2006" xmlns:p14="http://schemas.microsoft.com/office/powerpoint/2010/main">
+    <mc:Choice Requires="p14">
       <p:transition spd="slow" p14:dur="2000" advTm="6223"/>
     </mc:Choice>
-    <mc:Fallback>
+    <mc:Fallback xmlns="">
       <p:transition spd="slow" advTm="6223"/>
     </mc:Fallback>
   </mc:AlternateContent>
@@ -13332,11 +13496,11 @@
   <p:clrMapOvr>
     <a:masterClrMapping/>
   </p:clrMapOvr>
-  <mc:AlternateContent xmlns:mc="http://schemas.openxmlformats.org/markup-compatibility/2006">
-    <mc:Choice xmlns:p14="http://schemas.microsoft.com/office/powerpoint/2010/main" Requires="p14">
+  <mc:AlternateContent xmlns:mc="http://schemas.openxmlformats.org/markup-compatibility/2006" xmlns:p14="http://schemas.microsoft.com/office/powerpoint/2010/main">
+    <mc:Choice Requires="p14">
       <p:transition spd="slow" p14:dur="2000" advTm="1641"/>
     </mc:Choice>
-    <mc:Fallback>
+    <mc:Fallback xmlns="">
       <p:transition spd="slow" advTm="1641"/>
     </mc:Fallback>
   </mc:AlternateContent>

--- a/docs/Executive_Summary-Team2.pptx
+++ b/docs/Executive_Summary-Team2.pptx
@@ -270,6 +270,7 @@
     <p1510:client id="{3F8F8CCA-27FE-48EE-8A58-BCAC1F5FAF92}" v="1584" dt="2022-06-25T20:49:54.816"/>
     <p1510:client id="{4A6F0D96-0F75-644A-B7D9-5F08E508959D}" v="28" dt="2022-06-19T21:26:23.200"/>
     <p1510:client id="{7B6FDF95-9096-427B-9540-C81651F583DB}" v="553" dt="2022-06-25T22:04:47.206"/>
+    <p1510:client id="{9CE21DE3-FAD8-44FF-B598-9836A9E2618E}" v="1" dt="2022-06-26T04:48:42.758"/>
   </p1510:revLst>
 </p1510:revInfo>
 </file>
@@ -279,12 +280,12 @@
   <pc:docChgLst>
     <pc:chgData name="Guest User" providerId="Windows Live" clId="Web-{9CE21DE3-FAD8-44FF-B598-9836A9E2618E}"/>
     <pc:docChg chg="modSld">
-      <pc:chgData name="Guest User" userId="" providerId="Windows Live" clId="Web-{9CE21DE3-FAD8-44FF-B598-9836A9E2618E}" dt="2022-06-26T04:44:33.100" v="90"/>
+      <pc:chgData name="Guest User" userId="" providerId="Windows Live" clId="Web-{9CE21DE3-FAD8-44FF-B598-9836A9E2618E}" dt="2022-06-26T04:48:40.211" v="202"/>
       <pc:docMkLst>
         <pc:docMk/>
       </pc:docMkLst>
       <pc:sldChg chg="modNotes">
-        <pc:chgData name="Guest User" userId="" providerId="Windows Live" clId="Web-{9CE21DE3-FAD8-44FF-B598-9836A9E2618E}" dt="2022-06-26T04:44:33.100" v="90"/>
+        <pc:chgData name="Guest User" userId="" providerId="Windows Live" clId="Web-{9CE21DE3-FAD8-44FF-B598-9836A9E2618E}" dt="2022-06-26T04:48:40.211" v="202"/>
         <pc:sldMkLst>
           <pc:docMk/>
           <pc:sldMk cId="2483835006" sldId="303"/>
@@ -2807,16 +2808,12 @@
               <a:buNone/>
             </a:pPr>
             <a:r>
-              <a:rPr lang="en-US">
+              <a:rPr lang="en-US" dirty="0">
                 <a:latin typeface="Calibri"/>
                 <a:cs typeface="Calibri"/>
               </a:rPr>
-              <a:t>In this presentation, we will talk about background regarding genetic disease and the related problem, the purpose of this study and hypothesis, </a:t>
+              <a:t>In this presentation, we will talk about background regarding genetic disease and the related problem, the purpose of this study and hypothesis, data set we have work on with data preprocessing, visualization of the data set, models we used to train the data sets and their results, and the discussion about these models, hypothesis review and the future recommendations.  </a:t>
             </a:r>
-            <a:endParaRPr lang="en-US" dirty="0">
-              <a:latin typeface="Calibri"/>
-              <a:cs typeface="Calibri"/>
-            </a:endParaRPr>
           </a:p>
         </p:txBody>
       </p:sp>

--- a/docs/Executive_Summary-Team2.pptx
+++ b/docs/Executive_Summary-Team2.pptx
@@ -270,7 +270,7 @@
     <p1510:client id="{3F8F8CCA-27FE-48EE-8A58-BCAC1F5FAF92}" v="1584" dt="2022-06-25T20:49:54.816"/>
     <p1510:client id="{4A6F0D96-0F75-644A-B7D9-5F08E508959D}" v="28" dt="2022-06-19T21:26:23.200"/>
     <p1510:client id="{7B6FDF95-9096-427B-9540-C81651F583DB}" v="553" dt="2022-06-25T22:04:47.206"/>
-    <p1510:client id="{9CE21DE3-FAD8-44FF-B598-9836A9E2618E}" v="1" dt="2022-06-26T04:48:42.758"/>
+    <p1510:client id="{9CE21DE3-FAD8-44FF-B598-9836A9E2618E}" v="169" dt="2022-06-26T04:52:11.931"/>
   </p1510:revLst>
 </p1510:revInfo>
 </file>
@@ -280,16 +280,63 @@
   <pc:docChgLst>
     <pc:chgData name="Guest User" providerId="Windows Live" clId="Web-{9CE21DE3-FAD8-44FF-B598-9836A9E2618E}"/>
     <pc:docChg chg="modSld">
-      <pc:chgData name="Guest User" userId="" providerId="Windows Live" clId="Web-{9CE21DE3-FAD8-44FF-B598-9836A9E2618E}" dt="2022-06-26T04:48:40.211" v="202"/>
+      <pc:chgData name="Guest User" userId="" providerId="Windows Live" clId="Web-{9CE21DE3-FAD8-44FF-B598-9836A9E2618E}" dt="2022-06-26T04:52:11.244" v="363" actId="20577"/>
       <pc:docMkLst>
         <pc:docMk/>
       </pc:docMkLst>
-      <pc:sldChg chg="modNotes">
-        <pc:chgData name="Guest User" userId="" providerId="Windows Live" clId="Web-{9CE21DE3-FAD8-44FF-B598-9836A9E2618E}" dt="2022-06-26T04:48:40.211" v="202"/>
+      <pc:sldChg chg="modSp modNotes">
+        <pc:chgData name="Guest User" userId="" providerId="Windows Live" clId="Web-{9CE21DE3-FAD8-44FF-B598-9836A9E2618E}" dt="2022-06-26T04:51:43.492" v="340" actId="20577"/>
         <pc:sldMkLst>
           <pc:docMk/>
           <pc:sldMk cId="2483835006" sldId="303"/>
         </pc:sldMkLst>
+        <pc:spChg chg="mod">
+          <ac:chgData name="Guest User" userId="" providerId="Windows Live" clId="Web-{9CE21DE3-FAD8-44FF-B598-9836A9E2618E}" dt="2022-06-26T04:51:43.492" v="340" actId="20577"/>
+          <ac:spMkLst>
+            <pc:docMk/>
+            <pc:sldMk cId="2483835006" sldId="303"/>
+            <ac:spMk id="3" creationId="{B69B05C5-9629-2F42-8804-55B899D0B103}"/>
+          </ac:spMkLst>
+        </pc:spChg>
+      </pc:sldChg>
+      <pc:sldChg chg="addSp delSp modSp">
+        <pc:chgData name="Guest User" userId="" providerId="Windows Live" clId="Web-{9CE21DE3-FAD8-44FF-B598-9836A9E2618E}" dt="2022-06-26T04:52:11.244" v="363" actId="20577"/>
+        <pc:sldMkLst>
+          <pc:docMk/>
+          <pc:sldMk cId="1492336588" sldId="304"/>
+        </pc:sldMkLst>
+        <pc:spChg chg="mod">
+          <ac:chgData name="Guest User" userId="" providerId="Windows Live" clId="Web-{9CE21DE3-FAD8-44FF-B598-9836A9E2618E}" dt="2022-06-26T04:52:00.227" v="348" actId="20577"/>
+          <ac:spMkLst>
+            <pc:docMk/>
+            <pc:sldMk cId="1492336588" sldId="304"/>
+            <ac:spMk id="2" creationId="{F28D3DA2-0940-BD4A-B2AE-F051DCA21EA3}"/>
+          </ac:spMkLst>
+        </pc:spChg>
+        <pc:spChg chg="mod">
+          <ac:chgData name="Guest User" userId="" providerId="Windows Live" clId="Web-{9CE21DE3-FAD8-44FF-B598-9836A9E2618E}" dt="2022-06-26T04:52:11.244" v="363" actId="20577"/>
+          <ac:spMkLst>
+            <pc:docMk/>
+            <pc:sldMk cId="1492336588" sldId="304"/>
+            <ac:spMk id="3" creationId="{D8C5BED6-6F74-1046-94B0-9A7B5649F4D5}"/>
+          </ac:spMkLst>
+        </pc:spChg>
+        <pc:spChg chg="del mod">
+          <ac:chgData name="Guest User" userId="" providerId="Windows Live" clId="Web-{9CE21DE3-FAD8-44FF-B598-9836A9E2618E}" dt="2022-06-26T04:50:42.863" v="299"/>
+          <ac:spMkLst>
+            <pc:docMk/>
+            <pc:sldMk cId="1492336588" sldId="304"/>
+            <ac:spMk id="4" creationId="{68FC04E8-EAB2-F445-B65B-80A4805D96BD}"/>
+          </ac:spMkLst>
+        </pc:spChg>
+        <pc:spChg chg="add del mod">
+          <ac:chgData name="Guest User" userId="" providerId="Windows Live" clId="Web-{9CE21DE3-FAD8-44FF-B598-9836A9E2618E}" dt="2022-06-26T04:51:08.724" v="312"/>
+          <ac:spMkLst>
+            <pc:docMk/>
+            <pc:sldMk cId="1492336588" sldId="304"/>
+            <ac:spMk id="8" creationId="{CA874EB7-898A-CE07-48FB-39BF66986BF2}"/>
+          </ac:spMkLst>
+        </pc:spChg>
       </pc:sldChg>
       <pc:sldChg chg="modNotes">
         <pc:chgData name="Guest User" userId="" providerId="Windows Live" clId="Web-{9CE21DE3-FAD8-44FF-B598-9836A9E2618E}" dt="2022-06-26T04:43:18.642" v="10"/>
@@ -297,6 +344,37 @@
           <pc:docMk/>
           <pc:sldMk cId="1961704748" sldId="325"/>
         </pc:sldMkLst>
+      </pc:sldChg>
+      <pc:sldChg chg="addSp modSp">
+        <pc:chgData name="Guest User" userId="" providerId="Windows Live" clId="Web-{9CE21DE3-FAD8-44FF-B598-9836A9E2618E}" dt="2022-06-26T04:51:02.770" v="311"/>
+        <pc:sldMkLst>
+          <pc:docMk/>
+          <pc:sldMk cId="762960319" sldId="326"/>
+        </pc:sldMkLst>
+        <pc:spChg chg="mod">
+          <ac:chgData name="Guest User" userId="" providerId="Windows Live" clId="Web-{9CE21DE3-FAD8-44FF-B598-9836A9E2618E}" dt="2022-06-26T04:50:01.797" v="250" actId="20577"/>
+          <ac:spMkLst>
+            <pc:docMk/>
+            <pc:sldMk cId="762960319" sldId="326"/>
+            <ac:spMk id="2" creationId="{8ABF4340-8968-EC31-406D-26DCBCF65249}"/>
+          </ac:spMkLst>
+        </pc:spChg>
+        <pc:spChg chg="mod">
+          <ac:chgData name="Guest User" userId="" providerId="Windows Live" clId="Web-{9CE21DE3-FAD8-44FF-B598-9836A9E2618E}" dt="2022-06-26T04:51:02.739" v="310" actId="20577"/>
+          <ac:spMkLst>
+            <pc:docMk/>
+            <pc:sldMk cId="762960319" sldId="326"/>
+            <ac:spMk id="3" creationId="{9184CF49-9AD5-BC84-FF8D-6441E8AFDF91}"/>
+          </ac:spMkLst>
+        </pc:spChg>
+        <pc:spChg chg="add">
+          <ac:chgData name="Guest User" userId="" providerId="Windows Live" clId="Web-{9CE21DE3-FAD8-44FF-B598-9836A9E2618E}" dt="2022-06-26T04:51:02.770" v="311"/>
+          <ac:spMkLst>
+            <pc:docMk/>
+            <pc:sldMk cId="762960319" sldId="326"/>
+            <ac:spMk id="4" creationId="{363096B4-9A6E-4DCA-2B28-7D6B7B9BDEB1}"/>
+          </ac:spMkLst>
+        </pc:spChg>
       </pc:sldChg>
     </pc:docChg>
   </pc:docChgLst>
@@ -10927,13 +11005,13 @@
           <a:lstStyle/>
           <a:p>
             <a:r>
-              <a:rPr lang="en-US">
+              <a:rPr lang="en-US" dirty="0">
                 <a:ea typeface="Open Sans"/>
                 <a:cs typeface="Open Sans"/>
               </a:rPr>
-              <a:t>Key Findings </a:t>
+              <a:t>Key Findings &amp; Hypothesis Review  </a:t>
             </a:r>
-            <a:endParaRPr lang="en-US"/>
+            <a:endParaRPr lang="en-US" dirty="0"/>
           </a:p>
         </p:txBody>
       </p:sp>
@@ -10959,7 +11037,7 @@
           <a:lstStyle/>
           <a:p>
             <a:r>
-              <a:rPr lang="en-US" sz="1600">
+              <a:rPr lang="en-US" sz="1600" dirty="0">
                 <a:solidFill>
                   <a:schemeClr val="tx1"/>
                 </a:solidFill>
@@ -10968,7 +11046,7 @@
               </a:rPr>
               <a:t>Majority of the children with age seven are diagnosed with Leigh Syndrome</a:t>
             </a:r>
-            <a:endParaRPr lang="en-US">
+            <a:endParaRPr lang="en-US" dirty="0">
               <a:solidFill>
                 <a:schemeClr val="tx1"/>
               </a:solidFill>
@@ -10981,7 +11059,7 @@
               </a:lnSpc>
             </a:pPr>
             <a:r>
-              <a:rPr lang="en-US" sz="1600">
+              <a:rPr lang="en-US" sz="1600" dirty="0">
                 <a:solidFill>
                   <a:schemeClr val="tx1"/>
                 </a:solidFill>
@@ -10998,7 +11076,7 @@
               </a:lnSpc>
             </a:pPr>
             <a:r>
-              <a:rPr lang="en-US" sz="1600">
+              <a:rPr lang="en-US" sz="1600" dirty="0">
                 <a:solidFill>
                   <a:schemeClr val="tx1"/>
                 </a:solidFill>
@@ -11015,7 +11093,7 @@
               </a:lnSpc>
             </a:pPr>
             <a:r>
-              <a:rPr lang="en-US" sz="1600">
+              <a:rPr lang="en-US" sz="1600" dirty="0">
                 <a:solidFill>
                   <a:schemeClr val="tx1"/>
                 </a:solidFill>
@@ -11025,7 +11103,7 @@
               <a:t>Symptom 5 is most common among occurrence of most </a:t>
             </a:r>
             <a:r>
-              <a:rPr lang="en-US" sz="1600">
+              <a:rPr lang="en-US" sz="1600" dirty="0">
                 <a:solidFill>
                   <a:schemeClr val="tx1"/>
                 </a:solidFill>
@@ -11034,12 +11112,82 @@
               </a:rPr>
               <a:t>diseases</a:t>
             </a:r>
-            <a:endParaRPr lang="en-US" sz="1600">
+          </a:p>
+          <a:p>
+            <a:pPr>
+              <a:lnSpc>
+                <a:spcPct val="114999"/>
+              </a:lnSpc>
+            </a:pPr>
+            <a:endParaRPr lang="en-US" sz="1600" dirty="0">
               <a:solidFill>
                 <a:schemeClr val="tx1"/>
               </a:solidFill>
               <a:cs typeface="Arial"/>
             </a:endParaRPr>
+          </a:p>
+          <a:p>
+            <a:pPr marL="114300" indent="0">
+              <a:lnSpc>
+                <a:spcPct val="114999"/>
+              </a:lnSpc>
+              <a:buNone/>
+            </a:pPr>
+            <a:r>
+              <a:rPr lang="en-US" sz="1600" dirty="0">
+                <a:solidFill>
+                  <a:srgbClr val="0070C0"/>
+                </a:solidFill>
+                <a:ea typeface="Open Sans"/>
+                <a:cs typeface="Arial"/>
+              </a:rPr>
+              <a:t>Hypothesis Review</a:t>
+            </a:r>
+            <a:endParaRPr lang="en-US" sz="1600" dirty="0">
+              <a:solidFill>
+                <a:srgbClr val="0070C0"/>
+              </a:solidFill>
+              <a:cs typeface="Arial"/>
+            </a:endParaRPr>
+          </a:p>
+        </p:txBody>
+      </p:sp>
+      <p:sp>
+        <p:nvSpPr>
+          <p:cNvPr id="4" name="TextBox 3">
+            <a:extLst>
+              <a:ext uri="{FF2B5EF4-FFF2-40B4-BE49-F238E27FC236}">
+                <a16:creationId xmlns:a16="http://schemas.microsoft.com/office/drawing/2014/main" id="{363096B4-9A6E-4DCA-2B28-7D6B7B9BDEB1}"/>
+              </a:ext>
+            </a:extLst>
+          </p:cNvPr>
+          <p:cNvSpPr txBox="1"/>
+          <p:nvPr/>
+        </p:nvSpPr>
+        <p:spPr>
+          <a:xfrm>
+            <a:off x="3200400" y="2343150"/>
+            <a:ext cx="2743200" cy="307777"/>
+          </a:xfrm>
+          <a:prstGeom prst="rect">
+            <a:avLst/>
+          </a:prstGeom>
+          <a:noFill/>
+        </p:spPr>
+        <p:txBody>
+          <a:bodyPr rot="0" spcFirstLastPara="0" vertOverflow="overflow" horzOverflow="overflow" vert="horz" wrap="square" lIns="91440" tIns="45720" rIns="91440" bIns="45720" numCol="1" spcCol="0" rtlCol="0" fromWordArt="0" anchor="t" anchorCtr="0" forceAA="0" compatLnSpc="1">
+            <a:prstTxWarp prst="textNoShape">
+              <a:avLst/>
+            </a:prstTxWarp>
+            <a:spAutoFit/>
+          </a:bodyPr>
+          <a:lstStyle/>
+          <a:p>
+            <a:pPr algn="l"/>
+            <a:r>
+              <a:rPr lang="en-US"/>
+              <a:t>Click to add text</a:t>
+            </a:r>
           </a:p>
         </p:txBody>
       </p:sp>
@@ -11095,9 +11243,13 @@
           <a:lstStyle/>
           <a:p>
             <a:r>
-              <a:rPr lang="en-US"/>
-              <a:t>Discussion</a:t>
+              <a:rPr lang="en-US" dirty="0">
+                <a:ea typeface="Open Sans"/>
+                <a:cs typeface="Open Sans"/>
+              </a:rPr>
+              <a:t>Strength, Weakness, and Future Research</a:t>
             </a:r>
+            <a:endParaRPr lang="en-US" dirty="0"/>
           </a:p>
         </p:txBody>
       </p:sp>
@@ -11123,7 +11275,7 @@
           <a:lstStyle/>
           <a:p>
             <a:r>
-              <a:rPr lang="en-US">
+              <a:rPr lang="en-US" dirty="0">
                 <a:solidFill>
                   <a:schemeClr val="tx1"/>
                 </a:solidFill>
@@ -11132,7 +11284,7 @@
               </a:rPr>
               <a:t>Strengths: </a:t>
             </a:r>
-            <a:endParaRPr lang="en-US">
+            <a:endParaRPr lang="en-US" dirty="0">
               <a:solidFill>
                 <a:schemeClr val="tx1"/>
               </a:solidFill>
@@ -11147,7 +11299,7 @@
               <a:buChar char="•"/>
             </a:pPr>
             <a:r>
-              <a:rPr lang="en-US" sz="1200">
+              <a:rPr lang="en-US" sz="1200" dirty="0">
                 <a:solidFill>
                   <a:schemeClr val="tx1"/>
                 </a:solidFill>
@@ -11169,7 +11321,7 @@
               <a:buChar char="•"/>
             </a:pPr>
             <a:r>
-              <a:rPr lang="en-US" sz="1200">
+              <a:rPr lang="en-US" sz="1200" dirty="0">
                 <a:solidFill>
                   <a:schemeClr val="tx1"/>
                 </a:solidFill>
@@ -11178,7 +11330,7 @@
               </a:rPr>
               <a:t>Early diagnosis and prediction of possible disorders. </a:t>
             </a:r>
-            <a:endParaRPr lang="en-US" sz="1200">
+            <a:endParaRPr lang="en-US" sz="1200" dirty="0">
               <a:solidFill>
                 <a:schemeClr val="tx1"/>
               </a:solidFill>
@@ -11194,7 +11346,7 @@
               </a:buClr>
             </a:pPr>
             <a:r>
-              <a:rPr lang="en-US">
+              <a:rPr lang="en-US" dirty="0">
                 <a:solidFill>
                   <a:schemeClr val="tx1"/>
                 </a:solidFill>
@@ -11213,7 +11365,7 @@
               <a:buChar char="•"/>
             </a:pPr>
             <a:r>
-              <a:rPr lang="en-US" sz="1200">
+              <a:rPr lang="en-US" sz="1200" dirty="0">
                 <a:solidFill>
                   <a:schemeClr val="tx1"/>
                 </a:solidFill>
@@ -11235,7 +11387,7 @@
               <a:buChar char="•"/>
             </a:pPr>
             <a:r>
-              <a:rPr lang="en-US" sz="1200">
+              <a:rPr lang="en-US" sz="1200" dirty="0">
                 <a:solidFill>
                   <a:schemeClr val="tx1"/>
                 </a:solidFill>
@@ -11257,7 +11409,7 @@
               <a:buChar char="•"/>
             </a:pPr>
             <a:r>
-              <a:rPr lang="en-US" sz="1200">
+              <a:rPr lang="en-US" sz="1200" dirty="0">
                 <a:solidFill>
                   <a:schemeClr val="tx1"/>
                 </a:solidFill>
@@ -11277,14 +11429,14 @@
               </a:buClr>
             </a:pPr>
             <a:r>
-              <a:rPr lang="en-US">
+              <a:rPr lang="en-US" dirty="0">
                 <a:solidFill>
                   <a:schemeClr val="tx1"/>
                 </a:solidFill>
                 <a:ea typeface="Open Sans"/>
                 <a:cs typeface="Open Sans"/>
               </a:rPr>
-              <a:t>Opportunities:</a:t>
+              <a:t>Future Research</a:t>
             </a:r>
           </a:p>
           <a:p>
@@ -11296,7 +11448,7 @@
               <a:buChar char="•"/>
             </a:pPr>
             <a:r>
-              <a:rPr lang="en-US" sz="1200">
+              <a:rPr lang="en-US" sz="1200" dirty="0">
                 <a:solidFill>
                   <a:schemeClr val="tx1"/>
                 </a:solidFill>
@@ -11318,7 +11470,7 @@
               <a:buChar char="•"/>
             </a:pPr>
             <a:r>
-              <a:rPr lang="en-US" sz="1200">
+              <a:rPr lang="en-US" sz="1200" dirty="0">
                 <a:solidFill>
                   <a:schemeClr val="tx1"/>
                 </a:solidFill>
@@ -11340,7 +11492,7 @@
               <a:buChar char="•"/>
             </a:pPr>
             <a:r>
-              <a:rPr lang="en-US" sz="1200">
+              <a:rPr lang="en-US" sz="1200" dirty="0">
                 <a:solidFill>
                   <a:schemeClr val="tx1"/>
                 </a:solidFill>
@@ -11350,7 +11502,7 @@
               <a:t>Transforming the multiclass into binary class by taking certain subset of classes. For example: Cancer vs </a:t>
             </a:r>
             <a:r>
-              <a:rPr lang="en-US" sz="1200">
+              <a:rPr lang="en-US" sz="1200" dirty="0">
                 <a:solidFill>
                   <a:schemeClr val="tx1"/>
                 </a:solidFill>
@@ -11360,7 +11512,7 @@
               <a:t>Diabetes , Diabetes </a:t>
             </a:r>
             <a:r>
-              <a:rPr lang="en-US" sz="1200">
+              <a:rPr lang="en-US" sz="1200" dirty="0">
                 <a:solidFill>
                   <a:schemeClr val="tx1"/>
                 </a:solidFill>
@@ -11370,7 +11522,7 @@
               <a:t>vs</a:t>
             </a:r>
             <a:r>
-              <a:rPr lang="en-US" sz="1200">
+              <a:rPr lang="en-US" sz="1200" dirty="0">
                 <a:solidFill>
                   <a:schemeClr val="tx1"/>
                 </a:solidFill>
@@ -11380,7 +11532,7 @@
               <a:t> </a:t>
             </a:r>
             <a:r>
-              <a:rPr lang="en-US" sz="1200" err="1">
+              <a:rPr lang="en-US" sz="1200" dirty="0" err="1">
                 <a:solidFill>
                   <a:schemeClr val="tx1"/>
                 </a:solidFill>
@@ -11389,7 +11541,7 @@
               </a:rPr>
               <a:t>Alzheimers</a:t>
             </a:r>
-            <a:endParaRPr lang="en-US" sz="1200" err="1">
+            <a:endParaRPr lang="en-US" sz="1200" dirty="0" err="1">
               <a:solidFill>
                 <a:schemeClr val="tx1"/>
               </a:solidFill>
@@ -11412,40 +11564,6 @@
               <a:ea typeface="Open Sans"/>
               <a:cs typeface="Open Sans"/>
             </a:endParaRPr>
-          </a:p>
-        </p:txBody>
-      </p:sp>
-      <p:sp>
-        <p:nvSpPr>
-          <p:cNvPr id="4" name="Text Placeholder 3">
-            <a:extLst>
-              <a:ext uri="{FF2B5EF4-FFF2-40B4-BE49-F238E27FC236}">
-                <a16:creationId xmlns:a16="http://schemas.microsoft.com/office/drawing/2014/main" id="{68FC04E8-EAB2-F445-B65B-80A4805D96BD}"/>
-              </a:ext>
-            </a:extLst>
-          </p:cNvPr>
-          <p:cNvSpPr>
-            <a:spLocks noGrp="1"/>
-          </p:cNvSpPr>
-          <p:nvPr>
-            <p:ph type="body" sz="quarter" idx="13"/>
-          </p:nvPr>
-        </p:nvSpPr>
-        <p:spPr/>
-        <p:txBody>
-          <a:bodyPr/>
-          <a:lstStyle/>
-          <a:p>
-            <a:r>
-              <a:rPr lang="en-US"/>
-              <a:t>Hypothesis review;</a:t>
-            </a:r>
-          </a:p>
-          <a:p>
-            <a:r>
-              <a:rPr lang="en-US"/>
-              <a:t>Strengths, weaknesses, opportunities</a:t>
-            </a:r>
           </a:p>
         </p:txBody>
       </p:sp>
@@ -12104,11 +12222,17 @@
               <a:buChar char="•"/>
             </a:pPr>
             <a:r>
-              <a:rPr lang="en-US" b="1"/>
+              <a:rPr lang="en-US" b="1" dirty="0">
+                <a:ea typeface="Open Sans"/>
+                <a:cs typeface="Open Sans"/>
+              </a:rPr>
               <a:t>Opportunity </a:t>
             </a:r>
             <a:r>
-              <a:rPr lang="en-US"/>
+              <a:rPr lang="en-US" dirty="0">
+                <a:ea typeface="Open Sans"/>
+                <a:cs typeface="Open Sans"/>
+              </a:rPr>
               <a:t>– background and problem</a:t>
             </a:r>
           </a:p>
@@ -12125,11 +12249,17 @@
               <a:buChar char="•"/>
             </a:pPr>
             <a:r>
-              <a:rPr lang="en-US" b="1"/>
+              <a:rPr lang="en-US" b="1" dirty="0">
+                <a:ea typeface="Open Sans"/>
+                <a:cs typeface="Open Sans"/>
+              </a:rPr>
               <a:t>Objective</a:t>
             </a:r>
             <a:r>
-              <a:rPr lang="en-US"/>
+              <a:rPr lang="en-US" dirty="0">
+                <a:ea typeface="Open Sans"/>
+                <a:cs typeface="Open Sans"/>
+              </a:rPr>
               <a:t> – purpose and hypothesis</a:t>
             </a:r>
           </a:p>
@@ -12146,11 +12276,17 @@
               <a:buChar char="•"/>
             </a:pPr>
             <a:r>
-              <a:rPr lang="en-US" b="1"/>
+              <a:rPr lang="en-US" b="1" dirty="0">
+                <a:ea typeface="Open Sans"/>
+                <a:cs typeface="Open Sans"/>
+              </a:rPr>
               <a:t>Data</a:t>
             </a:r>
             <a:r>
-              <a:rPr lang="en-US"/>
+              <a:rPr lang="en-US" dirty="0">
+                <a:ea typeface="Open Sans"/>
+                <a:cs typeface="Open Sans"/>
+              </a:rPr>
               <a:t> – summary and EDA</a:t>
             </a:r>
           </a:p>
@@ -12167,11 +12303,17 @@
               <a:buChar char="•"/>
             </a:pPr>
             <a:r>
-              <a:rPr lang="en-US" b="1"/>
+              <a:rPr lang="en-US" b="1" dirty="0">
+                <a:ea typeface="Open Sans"/>
+                <a:cs typeface="Open Sans"/>
+              </a:rPr>
               <a:t>Model</a:t>
             </a:r>
             <a:r>
-              <a:rPr lang="en-US"/>
+              <a:rPr lang="en-US" dirty="0">
+                <a:ea typeface="Open Sans"/>
+                <a:cs typeface="Open Sans"/>
+              </a:rPr>
               <a:t> – approaches and results</a:t>
             </a:r>
           </a:p>
@@ -12188,13 +12330,20 @@
               <a:buChar char="•"/>
             </a:pPr>
             <a:r>
-              <a:rPr lang="en-US" b="1"/>
+              <a:rPr lang="en-US" b="1" dirty="0">
+                <a:ea typeface="Open Sans"/>
+                <a:cs typeface="Open Sans"/>
+              </a:rPr>
               <a:t>Discussion</a:t>
             </a:r>
             <a:r>
-              <a:rPr lang="en-US"/>
-              <a:t> – hypothesis review; opportunities</a:t>
+              <a:rPr lang="en-US" dirty="0">
+                <a:ea typeface="Open Sans"/>
+                <a:cs typeface="Open Sans"/>
+              </a:rPr>
+              <a:t> – hypothesis review, key findings, strength, weakness, and future research</a:t>
             </a:r>
+            <a:endParaRPr lang="en-US" dirty="0"/>
           </a:p>
         </p:txBody>
       </p:sp>
